--- a/files/article.pptx
+++ b/files/article.pptx
@@ -4,6 +4,9 @@
   <p:sldMasterIdLst>
     <p:sldMasterId id="2147483648" r:id="rId1"/>
   </p:sldMasterIdLst>
+  <p:notesMasterIdLst>
+    <p:notesMasterId r:id="rId15"/>
+  </p:notesMasterIdLst>
   <p:sldIdLst>
     <p:sldId id="256" r:id="rId2"/>
     <p:sldId id="257" r:id="rId3"/>
@@ -17,8 +20,7 @@
     <p:sldId id="266" r:id="rId11"/>
     <p:sldId id="267" r:id="rId12"/>
     <p:sldId id="268" r:id="rId13"/>
-    <p:sldId id="269" r:id="rId14"/>
-    <p:sldId id="270" r:id="rId15"/>
+    <p:sldId id="270" r:id="rId14"/>
   </p:sldIdLst>
   <p:sldSz cx="9144000" cy="5143500" type="screen16x9"/>
   <p:notesSz cx="6858000" cy="9144000"/>
@@ -134,6 +136,439 @@
     </p:ext>
   </p:extLst>
 </p:presentation>
+</file>
+
+<file path=ppt/notesMasters/notesMaster1.xml><?xml version="1.0" encoding="utf-8"?>
+<p:notesMaster xmlns:a="http://schemas.openxmlformats.org/drawingml/2006/main" xmlns:r="http://schemas.openxmlformats.org/officeDocument/2006/relationships" xmlns:p="http://schemas.openxmlformats.org/presentationml/2006/main">
+  <p:cSld>
+    <p:bg>
+      <p:bgRef idx="1001">
+        <a:schemeClr val="bg1"/>
+      </p:bgRef>
+    </p:bg>
+    <p:spTree>
+      <p:nvGrpSpPr>
+        <p:cNvPr id="1" name=""/>
+        <p:cNvGrpSpPr/>
+        <p:nvPr/>
+      </p:nvGrpSpPr>
+      <p:grpSpPr>
+        <a:xfrm>
+          <a:off x="0" y="0"/>
+          <a:ext cx="0" cy="0"/>
+          <a:chOff x="0" y="0"/>
+          <a:chExt cx="0" cy="0"/>
+        </a:xfrm>
+      </p:grpSpPr>
+      <p:sp>
+        <p:nvSpPr>
+          <p:cNvPr id="2" name="Header Placeholder 1"/>
+          <p:cNvSpPr>
+            <a:spLocks noGrp="1"/>
+          </p:cNvSpPr>
+          <p:nvPr>
+            <p:ph type="hdr" sz="quarter"/>
+          </p:nvPr>
+        </p:nvSpPr>
+        <p:spPr>
+          <a:xfrm>
+            <a:off x="0" y="0"/>
+            <a:ext cx="2971800" cy="458788"/>
+          </a:xfrm>
+          <a:prstGeom prst="rect">
+            <a:avLst/>
+          </a:prstGeom>
+        </p:spPr>
+        <p:txBody>
+          <a:bodyPr vert="horz" lIns="91440" tIns="45720" rIns="91440" bIns="45720" rtlCol="0"/>
+          <a:lstStyle>
+            <a:lvl1pPr algn="l">
+              <a:defRPr sz="1200"/>
+            </a:lvl1pPr>
+          </a:lstStyle>
+          <a:p>
+            <a:endParaRPr lang="en-US"/>
+          </a:p>
+        </p:txBody>
+      </p:sp>
+      <p:sp>
+        <p:nvSpPr>
+          <p:cNvPr id="3" name="Date Placeholder 2"/>
+          <p:cNvSpPr>
+            <a:spLocks noGrp="1"/>
+          </p:cNvSpPr>
+          <p:nvPr>
+            <p:ph type="dt" idx="1"/>
+          </p:nvPr>
+        </p:nvSpPr>
+        <p:spPr>
+          <a:xfrm>
+            <a:off x="3884613" y="0"/>
+            <a:ext cx="2971800" cy="458788"/>
+          </a:xfrm>
+          <a:prstGeom prst="rect">
+            <a:avLst/>
+          </a:prstGeom>
+        </p:spPr>
+        <p:txBody>
+          <a:bodyPr vert="horz" lIns="91440" tIns="45720" rIns="91440" bIns="45720" rtlCol="0"/>
+          <a:lstStyle>
+            <a:lvl1pPr algn="r">
+              <a:defRPr sz="1200"/>
+            </a:lvl1pPr>
+          </a:lstStyle>
+          <a:p>
+            <a:fld id="{9A336289-6643-2D4F-A75D-80CA35D2D360}" type="datetimeFigureOut">
+              <a:rPr lang="en-US" smtClean="0"/>
+              <a:t>10/15/25</a:t>
+            </a:fld>
+            <a:endParaRPr lang="en-US"/>
+          </a:p>
+        </p:txBody>
+      </p:sp>
+      <p:sp>
+        <p:nvSpPr>
+          <p:cNvPr id="4" name="Slide Image Placeholder 3"/>
+          <p:cNvSpPr>
+            <a:spLocks noGrp="1" noRot="1" noChangeAspect="1"/>
+          </p:cNvSpPr>
+          <p:nvPr>
+            <p:ph type="sldImg" idx="2"/>
+          </p:nvPr>
+        </p:nvSpPr>
+        <p:spPr>
+          <a:xfrm>
+            <a:off x="685800" y="1143000"/>
+            <a:ext cx="5486400" cy="3086100"/>
+          </a:xfrm>
+          <a:prstGeom prst="rect">
+            <a:avLst/>
+          </a:prstGeom>
+          <a:noFill/>
+          <a:ln w="12700">
+            <a:solidFill>
+              <a:prstClr val="black"/>
+            </a:solidFill>
+          </a:ln>
+        </p:spPr>
+        <p:txBody>
+          <a:bodyPr vert="horz" lIns="91440" tIns="45720" rIns="91440" bIns="45720" rtlCol="0" anchor="ctr"/>
+          <a:lstStyle/>
+          <a:p>
+            <a:endParaRPr lang="en-US"/>
+          </a:p>
+        </p:txBody>
+      </p:sp>
+      <p:sp>
+        <p:nvSpPr>
+          <p:cNvPr id="5" name="Notes Placeholder 4"/>
+          <p:cNvSpPr>
+            <a:spLocks noGrp="1"/>
+          </p:cNvSpPr>
+          <p:nvPr>
+            <p:ph type="body" sz="quarter" idx="3"/>
+          </p:nvPr>
+        </p:nvSpPr>
+        <p:spPr>
+          <a:xfrm>
+            <a:off x="685800" y="4400550"/>
+            <a:ext cx="5486400" cy="3600450"/>
+          </a:xfrm>
+          <a:prstGeom prst="rect">
+            <a:avLst/>
+          </a:prstGeom>
+        </p:spPr>
+        <p:txBody>
+          <a:bodyPr vert="horz" lIns="91440" tIns="45720" rIns="91440" bIns="45720" rtlCol="0"/>
+          <a:lstStyle/>
+          <a:p>
+            <a:pPr lvl="0"/>
+            <a:r>
+              <a:rPr lang="en-US"/>
+              <a:t>Click to edit Master text styles</a:t>
+            </a:r>
+          </a:p>
+          <a:p>
+            <a:pPr lvl="1"/>
+            <a:r>
+              <a:rPr lang="en-US"/>
+              <a:t>Second level</a:t>
+            </a:r>
+          </a:p>
+          <a:p>
+            <a:pPr lvl="2"/>
+            <a:r>
+              <a:rPr lang="en-US"/>
+              <a:t>Third level</a:t>
+            </a:r>
+          </a:p>
+          <a:p>
+            <a:pPr lvl="3"/>
+            <a:r>
+              <a:rPr lang="en-US"/>
+              <a:t>Fourth level</a:t>
+            </a:r>
+          </a:p>
+          <a:p>
+            <a:pPr lvl="4"/>
+            <a:r>
+              <a:rPr lang="en-US"/>
+              <a:t>Fifth level</a:t>
+            </a:r>
+          </a:p>
+        </p:txBody>
+      </p:sp>
+      <p:sp>
+        <p:nvSpPr>
+          <p:cNvPr id="6" name="Footer Placeholder 5"/>
+          <p:cNvSpPr>
+            <a:spLocks noGrp="1"/>
+          </p:cNvSpPr>
+          <p:nvPr>
+            <p:ph type="ftr" sz="quarter" idx="4"/>
+          </p:nvPr>
+        </p:nvSpPr>
+        <p:spPr>
+          <a:xfrm>
+            <a:off x="0" y="8685213"/>
+            <a:ext cx="2971800" cy="458787"/>
+          </a:xfrm>
+          <a:prstGeom prst="rect">
+            <a:avLst/>
+          </a:prstGeom>
+        </p:spPr>
+        <p:txBody>
+          <a:bodyPr vert="horz" lIns="91440" tIns="45720" rIns="91440" bIns="45720" rtlCol="0" anchor="b"/>
+          <a:lstStyle>
+            <a:lvl1pPr algn="l">
+              <a:defRPr sz="1200"/>
+            </a:lvl1pPr>
+          </a:lstStyle>
+          <a:p>
+            <a:endParaRPr lang="en-US"/>
+          </a:p>
+        </p:txBody>
+      </p:sp>
+      <p:sp>
+        <p:nvSpPr>
+          <p:cNvPr id="7" name="Slide Number Placeholder 6"/>
+          <p:cNvSpPr>
+            <a:spLocks noGrp="1"/>
+          </p:cNvSpPr>
+          <p:nvPr>
+            <p:ph type="sldNum" sz="quarter" idx="5"/>
+          </p:nvPr>
+        </p:nvSpPr>
+        <p:spPr>
+          <a:xfrm>
+            <a:off x="3884613" y="8685213"/>
+            <a:ext cx="2971800" cy="458787"/>
+          </a:xfrm>
+          <a:prstGeom prst="rect">
+            <a:avLst/>
+          </a:prstGeom>
+        </p:spPr>
+        <p:txBody>
+          <a:bodyPr vert="horz" lIns="91440" tIns="45720" rIns="91440" bIns="45720" rtlCol="0" anchor="b"/>
+          <a:lstStyle>
+            <a:lvl1pPr algn="r">
+              <a:defRPr sz="1200"/>
+            </a:lvl1pPr>
+          </a:lstStyle>
+          <a:p>
+            <a:fld id="{3C185C82-8E05-0841-9E4B-36034FE5C640}" type="slidenum">
+              <a:rPr lang="en-US" smtClean="0"/>
+              <a:t>‹#›</a:t>
+            </a:fld>
+            <a:endParaRPr lang="en-US"/>
+          </a:p>
+        </p:txBody>
+      </p:sp>
+    </p:spTree>
+    <p:extLst>
+      <p:ext uri="{BB962C8B-B14F-4D97-AF65-F5344CB8AC3E}">
+        <p14:creationId xmlns:p14="http://schemas.microsoft.com/office/powerpoint/2010/main" val="245342417"/>
+      </p:ext>
+    </p:extLst>
+  </p:cSld>
+  <p:clrMap bg1="lt1" tx1="dk1" bg2="lt2" tx2="dk2" accent1="accent1" accent2="accent2" accent3="accent3" accent4="accent4" accent5="accent5" accent6="accent6" hlink="hlink" folHlink="folHlink"/>
+  <p:notesStyle>
+    <a:lvl1pPr marL="0" algn="l" defTabSz="914400" rtl="0" eaLnBrk="1" latinLnBrk="0" hangingPunct="1">
+      <a:defRPr sz="1200" kern="1200">
+        <a:solidFill>
+          <a:schemeClr val="tx1"/>
+        </a:solidFill>
+        <a:latin typeface="+mn-lt"/>
+        <a:ea typeface="+mn-ea"/>
+        <a:cs typeface="+mn-cs"/>
+      </a:defRPr>
+    </a:lvl1pPr>
+    <a:lvl2pPr marL="457200" algn="l" defTabSz="914400" rtl="0" eaLnBrk="1" latinLnBrk="0" hangingPunct="1">
+      <a:defRPr sz="1200" kern="1200">
+        <a:solidFill>
+          <a:schemeClr val="tx1"/>
+        </a:solidFill>
+        <a:latin typeface="+mn-lt"/>
+        <a:ea typeface="+mn-ea"/>
+        <a:cs typeface="+mn-cs"/>
+      </a:defRPr>
+    </a:lvl2pPr>
+    <a:lvl3pPr marL="914400" algn="l" defTabSz="914400" rtl="0" eaLnBrk="1" latinLnBrk="0" hangingPunct="1">
+      <a:defRPr sz="1200" kern="1200">
+        <a:solidFill>
+          <a:schemeClr val="tx1"/>
+        </a:solidFill>
+        <a:latin typeface="+mn-lt"/>
+        <a:ea typeface="+mn-ea"/>
+        <a:cs typeface="+mn-cs"/>
+      </a:defRPr>
+    </a:lvl3pPr>
+    <a:lvl4pPr marL="1371600" algn="l" defTabSz="914400" rtl="0" eaLnBrk="1" latinLnBrk="0" hangingPunct="1">
+      <a:defRPr sz="1200" kern="1200">
+        <a:solidFill>
+          <a:schemeClr val="tx1"/>
+        </a:solidFill>
+        <a:latin typeface="+mn-lt"/>
+        <a:ea typeface="+mn-ea"/>
+        <a:cs typeface="+mn-cs"/>
+      </a:defRPr>
+    </a:lvl4pPr>
+    <a:lvl5pPr marL="1828800" algn="l" defTabSz="914400" rtl="0" eaLnBrk="1" latinLnBrk="0" hangingPunct="1">
+      <a:defRPr sz="1200" kern="1200">
+        <a:solidFill>
+          <a:schemeClr val="tx1"/>
+        </a:solidFill>
+        <a:latin typeface="+mn-lt"/>
+        <a:ea typeface="+mn-ea"/>
+        <a:cs typeface="+mn-cs"/>
+      </a:defRPr>
+    </a:lvl5pPr>
+    <a:lvl6pPr marL="2286000" algn="l" defTabSz="914400" rtl="0" eaLnBrk="1" latinLnBrk="0" hangingPunct="1">
+      <a:defRPr sz="1200" kern="1200">
+        <a:solidFill>
+          <a:schemeClr val="tx1"/>
+        </a:solidFill>
+        <a:latin typeface="+mn-lt"/>
+        <a:ea typeface="+mn-ea"/>
+        <a:cs typeface="+mn-cs"/>
+      </a:defRPr>
+    </a:lvl6pPr>
+    <a:lvl7pPr marL="2743200" algn="l" defTabSz="914400" rtl="0" eaLnBrk="1" latinLnBrk="0" hangingPunct="1">
+      <a:defRPr sz="1200" kern="1200">
+        <a:solidFill>
+          <a:schemeClr val="tx1"/>
+        </a:solidFill>
+        <a:latin typeface="+mn-lt"/>
+        <a:ea typeface="+mn-ea"/>
+        <a:cs typeface="+mn-cs"/>
+      </a:defRPr>
+    </a:lvl7pPr>
+    <a:lvl8pPr marL="3200400" algn="l" defTabSz="914400" rtl="0" eaLnBrk="1" latinLnBrk="0" hangingPunct="1">
+      <a:defRPr sz="1200" kern="1200">
+        <a:solidFill>
+          <a:schemeClr val="tx1"/>
+        </a:solidFill>
+        <a:latin typeface="+mn-lt"/>
+        <a:ea typeface="+mn-ea"/>
+        <a:cs typeface="+mn-cs"/>
+      </a:defRPr>
+    </a:lvl8pPr>
+    <a:lvl9pPr marL="3657600" algn="l" defTabSz="914400" rtl="0" eaLnBrk="1" latinLnBrk="0" hangingPunct="1">
+      <a:defRPr sz="1200" kern="1200">
+        <a:solidFill>
+          <a:schemeClr val="tx1"/>
+        </a:solidFill>
+        <a:latin typeface="+mn-lt"/>
+        <a:ea typeface="+mn-ea"/>
+        <a:cs typeface="+mn-cs"/>
+      </a:defRPr>
+    </a:lvl9pPr>
+  </p:notesStyle>
+</p:notesMaster>
+</file>
+
+<file path=ppt/notesSlides/notesSlide1.xml><?xml version="1.0" encoding="utf-8"?>
+<p:notes xmlns:a="http://schemas.openxmlformats.org/drawingml/2006/main" xmlns:r="http://schemas.openxmlformats.org/officeDocument/2006/relationships" xmlns:p="http://schemas.openxmlformats.org/presentationml/2006/main">
+  <p:cSld>
+    <p:spTree>
+      <p:nvGrpSpPr>
+        <p:cNvPr id="1" name=""/>
+        <p:cNvGrpSpPr/>
+        <p:nvPr/>
+      </p:nvGrpSpPr>
+      <p:grpSpPr>
+        <a:xfrm>
+          <a:off x="0" y="0"/>
+          <a:ext cx="0" cy="0"/>
+          <a:chOff x="0" y="0"/>
+          <a:chExt cx="0" cy="0"/>
+        </a:xfrm>
+      </p:grpSpPr>
+      <p:sp>
+        <p:nvSpPr>
+          <p:cNvPr id="2" name="Slide Image Placeholder 1"/>
+          <p:cNvSpPr>
+            <a:spLocks noGrp="1" noRot="1" noChangeAspect="1"/>
+          </p:cNvSpPr>
+          <p:nvPr>
+            <p:ph type="sldImg"/>
+          </p:nvPr>
+        </p:nvSpPr>
+        <p:spPr/>
+      </p:sp>
+      <p:sp>
+        <p:nvSpPr>
+          <p:cNvPr id="3" name="Notes Placeholder 2"/>
+          <p:cNvSpPr>
+            <a:spLocks noGrp="1"/>
+          </p:cNvSpPr>
+          <p:nvPr>
+            <p:ph type="body" idx="1"/>
+          </p:nvPr>
+        </p:nvSpPr>
+        <p:spPr/>
+        <p:txBody>
+          <a:bodyPr/>
+          <a:lstStyle/>
+          <a:p>
+            <a:endParaRPr lang="en-US" dirty="0"/>
+          </a:p>
+        </p:txBody>
+      </p:sp>
+      <p:sp>
+        <p:nvSpPr>
+          <p:cNvPr id="4" name="Slide Number Placeholder 3"/>
+          <p:cNvSpPr>
+            <a:spLocks noGrp="1"/>
+          </p:cNvSpPr>
+          <p:nvPr>
+            <p:ph type="sldNum" sz="quarter" idx="5"/>
+          </p:nvPr>
+        </p:nvSpPr>
+        <p:spPr/>
+        <p:txBody>
+          <a:bodyPr/>
+          <a:lstStyle/>
+          <a:p>
+            <a:fld id="{3C185C82-8E05-0841-9E4B-36034FE5C640}" type="slidenum">
+              <a:rPr lang="en-US" smtClean="0"/>
+              <a:t>3</a:t>
+            </a:fld>
+            <a:endParaRPr lang="en-US"/>
+          </a:p>
+        </p:txBody>
+      </p:sp>
+    </p:spTree>
+    <p:extLst>
+      <p:ext uri="{BB962C8B-B14F-4D97-AF65-F5344CB8AC3E}">
+        <p14:creationId xmlns:p14="http://schemas.microsoft.com/office/powerpoint/2010/main" val="495100914"/>
+      </p:ext>
+    </p:extLst>
+  </p:cSld>
+  <p:clrMapOvr>
+    <a:masterClrMapping/>
+  </p:clrMapOvr>
+</p:notes>
 </file>
 
 <file path=ppt/slideLayouts/slideLayout1.xml><?xml version="1.0" encoding="utf-8"?>
@@ -3127,7 +3562,12 @@
               <a:buNone/>
             </a:pPr>
             <a:r>
-              <a:t>Pecularities of precipitating electron spectra : DMPS &amp; ELFIN combined dataset</a:t>
+              <a:rPr lang="en-US" dirty="0"/>
+              <a:t>P</a:t>
+            </a:r>
+            <a:r>
+              <a:rPr dirty="0"/>
+              <a:t>recipitating electron spectra : DMPS &amp; ELFIN combined dataset</a:t>
             </a:r>
           </a:p>
         </p:txBody>
@@ -3202,21 +3642,13 @@
           <a:lstStyle/>
           <a:p>
             <a:pPr marL="0" lvl="0" indent="0">
-              <a:buNone/>
-            </a:pPr>
-            <a:r>
-              <a:t>Across activity levels we find enhanced precipitation in the premidnight–postmidnight sector and concentrated between roughly 65–75° MLAT, with poleward expansion and intensification during higher AE.</a:t>
-            </a:r>
-          </a:p>
-          <a:p>
-            <a:pPr marL="0" lvl="0" indent="0">
               <a:spcBef>
                 <a:spcPts val="3000"/>
               </a:spcBef>
               <a:buNone/>
             </a:pPr>
             <a:r>
-              <a:rPr b="1"/>
+              <a:rPr b="1" dirty="0"/>
               <a:t>Mechanism‑conditioned flux maps</a:t>
             </a:r>
           </a:p>
@@ -3225,6 +3657,7 @@
               <a:buNone/>
             </a:pPr>
             <a:r>
+              <a:rPr dirty="0"/>
               <a:t>Conditioning on ELFIN‑only mechanism tags clarifies two regimes—whistler‑mode scattering dominating at lower |MLAT| and FLCS dominating poleward:</a:t>
             </a:r>
           </a:p>
@@ -3246,7 +3679,7 @@
         </p:blipFill>
         <p:spPr bwMode="auto">
           <a:xfrm>
-            <a:off x="3568700" y="901700"/>
+            <a:off x="3630576" y="234807"/>
             <a:ext cx="5105400" cy="2971800"/>
           </a:xfrm>
           <a:prstGeom prst="rect">
@@ -3260,6 +3693,41 @@
           </a:ln>
         </p:spPr>
       </p:pic>
+      <p:sp>
+        <p:nvSpPr>
+          <p:cNvPr id="3" name="TextBox 2">
+            <a:extLst>
+              <a:ext uri="{FF2B5EF4-FFF2-40B4-BE49-F238E27FC236}">
+                <a16:creationId xmlns:a16="http://schemas.microsoft.com/office/drawing/2014/main" id="{93CBE826-78AC-3197-C532-AD35C15E6DEB}"/>
+              </a:ext>
+            </a:extLst>
+          </p:cNvPr>
+          <p:cNvSpPr txBox="1"/>
+          <p:nvPr/>
+        </p:nvSpPr>
+        <p:spPr>
+          <a:xfrm>
+            <a:off x="536265" y="364385"/>
+            <a:ext cx="1551387" cy="369332"/>
+          </a:xfrm>
+          <a:prstGeom prst="rect">
+            <a:avLst/>
+          </a:prstGeom>
+          <a:noFill/>
+        </p:spPr>
+        <p:txBody>
+          <a:bodyPr wrap="none" rtlCol="0">
+            <a:spAutoFit/>
+          </a:bodyPr>
+          <a:lstStyle/>
+          <a:p>
+            <a:r>
+              <a:rPr lang="en-US" dirty="0"/>
+              <a:t>Whistler Wave</a:t>
+            </a:r>
+          </a:p>
+        </p:txBody>
+      </p:sp>
     </p:spTree>
   </p:cSld>
   <p:clrMapOvr>
@@ -3315,6 +3783,41 @@
           </a:ln>
         </p:spPr>
       </p:pic>
+      <p:sp>
+        <p:nvSpPr>
+          <p:cNvPr id="3" name="TextBox 2">
+            <a:extLst>
+              <a:ext uri="{FF2B5EF4-FFF2-40B4-BE49-F238E27FC236}">
+                <a16:creationId xmlns:a16="http://schemas.microsoft.com/office/drawing/2014/main" id="{1BFB6133-E09C-A80B-F882-4494B9C33DD1}"/>
+              </a:ext>
+            </a:extLst>
+          </p:cNvPr>
+          <p:cNvSpPr txBox="1"/>
+          <p:nvPr/>
+        </p:nvSpPr>
+        <p:spPr>
+          <a:xfrm>
+            <a:off x="405636" y="495014"/>
+            <a:ext cx="614977" cy="369332"/>
+          </a:xfrm>
+          <a:prstGeom prst="rect">
+            <a:avLst/>
+          </a:prstGeom>
+          <a:noFill/>
+        </p:spPr>
+        <p:txBody>
+          <a:bodyPr wrap="none" rtlCol="0">
+            <a:spAutoFit/>
+          </a:bodyPr>
+          <a:lstStyle/>
+          <a:p>
+            <a:r>
+              <a:rPr lang="en-US" dirty="0"/>
+              <a:t>FLCS</a:t>
+            </a:r>
+          </a:p>
+        </p:txBody>
+      </p:sp>
     </p:spTree>
   </p:cSld>
   <p:clrMapOvr>
@@ -3370,6 +3873,41 @@
           </a:ln>
         </p:spPr>
       </p:pic>
+      <p:sp>
+        <p:nvSpPr>
+          <p:cNvPr id="3" name="TextBox 2">
+            <a:extLst>
+              <a:ext uri="{FF2B5EF4-FFF2-40B4-BE49-F238E27FC236}">
+                <a16:creationId xmlns:a16="http://schemas.microsoft.com/office/drawing/2014/main" id="{A7D28613-B34C-781C-6A94-9193477A98F4}"/>
+              </a:ext>
+            </a:extLst>
+          </p:cNvPr>
+          <p:cNvSpPr txBox="1"/>
+          <p:nvPr/>
+        </p:nvSpPr>
+        <p:spPr>
+          <a:xfrm>
+            <a:off x="529389" y="426262"/>
+            <a:ext cx="554960" cy="369332"/>
+          </a:xfrm>
+          <a:prstGeom prst="rect">
+            <a:avLst/>
+          </a:prstGeom>
+          <a:noFill/>
+        </p:spPr>
+        <p:txBody>
+          <a:bodyPr wrap="none" rtlCol="0">
+            <a:spAutoFit/>
+          </a:bodyPr>
+          <a:lstStyle/>
+          <a:p>
+            <a:r>
+              <a:rPr lang="en-US" dirty="0"/>
+              <a:t>Else</a:t>
+            </a:r>
+          </a:p>
+        </p:txBody>
+      </p:sp>
     </p:spTree>
   </p:cSld>
   <p:clrMapOvr>
@@ -3397,12 +3935,12 @@
       </p:grpSpPr>
       <p:sp>
         <p:nvSpPr>
-          <p:cNvPr id="3" name="Content Placeholder 2"/>
-          <p:cNvSpPr>
-            <a:spLocks noGrp="1"/>
-          </p:cNvSpPr>
-          <p:nvPr>
-            <p:ph idx="1"/>
+          <p:cNvPr id="2" name="Title 1"/>
+          <p:cNvSpPr>
+            <a:spLocks noGrp="1"/>
+          </p:cNvSpPr>
+          <p:nvPr>
+            <p:ph type="title"/>
           </p:nvPr>
         </p:nvSpPr>
         <p:spPr/>
@@ -3414,62 +3952,13 @@
               <a:buNone/>
             </a:pPr>
             <a:r>
-              <a:t>These partitions highlight complementary sources: whistlers mapping to the inner magnetosphere at lower latitudes and FLCS along more poleward field lines.</a:t>
-            </a:r>
-          </a:p>
-        </p:txBody>
-      </p:sp>
-    </p:spTree>
-  </p:cSld>
-  <p:clrMapOvr>
-    <a:masterClrMapping/>
-  </p:clrMapOvr>
-</p:sld>
-</file>
-
-<file path=ppt/slides/slide14.xml><?xml version="1.0" encoding="utf-8"?>
-<p:sld xmlns:a="http://schemas.openxmlformats.org/drawingml/2006/main" xmlns:r="http://schemas.openxmlformats.org/officeDocument/2006/relationships" xmlns:p="http://schemas.openxmlformats.org/presentationml/2006/main">
-  <p:cSld>
-    <p:spTree>
-      <p:nvGrpSpPr>
-        <p:cNvPr id="1" name=""/>
-        <p:cNvGrpSpPr/>
-        <p:nvPr/>
-      </p:nvGrpSpPr>
-      <p:grpSpPr>
-        <a:xfrm>
-          <a:off x="0" y="0"/>
-          <a:ext cx="0" cy="0"/>
-          <a:chOff x="0" y="0"/>
-          <a:chExt cx="0" cy="0"/>
-        </a:xfrm>
-      </p:grpSpPr>
-      <p:sp>
-        <p:nvSpPr>
-          <p:cNvPr id="2" name="Title 1"/>
-          <p:cNvSpPr>
-            <a:spLocks noGrp="1"/>
-          </p:cNvSpPr>
-          <p:nvPr>
-            <p:ph type="title"/>
-          </p:nvPr>
-        </p:nvSpPr>
-        <p:spPr/>
-        <p:txBody>
-          <a:bodyPr/>
-          <a:lstStyle/>
-          <a:p>
-            <a:pPr marL="0" lvl="0" indent="0">
-              <a:buNone/>
-            </a:pPr>
-            <a:r>
               <a:t>Discussion and Outlook</a:t>
             </a:r>
           </a:p>
         </p:txBody>
       </p:sp>
-      <mc:AlternateContent xmlns:mc="http://schemas.openxmlformats.org/markup-compatibility/2006">
-        <mc:Choice xmlns:a14="http://schemas.microsoft.com/office/drawing/2010/main" Requires="a14">
+      <mc:AlternateContent xmlns:mc="http://schemas.openxmlformats.org/markup-compatibility/2006" xmlns:a14="http://schemas.microsoft.com/office/drawing/2010/main">
+        <mc:Choice Requires="a14">
           <p:sp>
             <p:nvSpPr>
               <p:cNvPr id="3" name="Content Placeholder 2"/>
@@ -3592,7 +4081,7 @@
             </p:txBody>
           </p:sp>
         </mc:Choice>
-        <mc:Fallback>
+        <mc:Fallback xmlns="">
           <p:sp>
             <p:nvSpPr>
               <p:cNvPr id="3" name="Content Placeholder 2"/>
@@ -3756,7 +4245,7 @@
         </p:nvSpPr>
         <p:spPr>
           <a:xfrm>
-            <a:off x="1941688" y="4457701"/>
+            <a:off x="1462623" y="4386680"/>
             <a:ext cx="6218754" cy="369332"/>
           </a:xfrm>
           <a:prstGeom prst="rect">
@@ -3886,7 +4375,7 @@
           <p:nvPr/>
         </p:nvPicPr>
         <p:blipFill>
-          <a:blip r:embed="rId2"/>
+          <a:blip r:embed="rId3"/>
           <a:stretch>
             <a:fillRect/>
           </a:stretch>
@@ -3964,6 +4453,43 @@
           </a:p>
         </p:txBody>
       </p:sp>
+      <p:pic>
+        <p:nvPicPr>
+          <p:cNvPr id="5" name="Picture 1" descr="./figures/flux_with_fit.png">
+            <a:extLst>
+              <a:ext uri="{FF2B5EF4-FFF2-40B4-BE49-F238E27FC236}">
+                <a16:creationId xmlns:a16="http://schemas.microsoft.com/office/drawing/2014/main" id="{04FBC54C-4AB8-A7CB-C263-1DAB04B29DBD}"/>
+              </a:ext>
+            </a:extLst>
+          </p:cNvPr>
+          <p:cNvPicPr>
+            <a:picLocks noGrp="1" noChangeAspect="1"/>
+          </p:cNvPicPr>
+          <p:nvPr/>
+        </p:nvPicPr>
+        <p:blipFill>
+          <a:blip r:embed="rId4"/>
+          <a:srcRect b="37176"/>
+          <a:stretch>
+            <a:fillRect/>
+          </a:stretch>
+        </p:blipFill>
+        <p:spPr bwMode="auto">
+          <a:xfrm>
+            <a:off x="3702582" y="685800"/>
+            <a:ext cx="4971518" cy="3658982"/>
+          </a:xfrm>
+          <a:prstGeom prst="rect">
+            <a:avLst/>
+          </a:prstGeom>
+          <a:noFill/>
+          <a:ln w="9525">
+            <a:noFill/>
+            <a:headEnd/>
+            <a:tailEnd/>
+          </a:ln>
+        </p:spPr>
+      </p:pic>
     </p:spTree>
   </p:cSld>
   <p:clrMapOvr>
@@ -3973,7 +4499,7 @@
 </file>
 
 <file path=ppt/slides/slide4.xml><?xml version="1.0" encoding="utf-8"?>
-<p:sld xmlns:a="http://schemas.openxmlformats.org/drawingml/2006/main" xmlns:r="http://schemas.openxmlformats.org/officeDocument/2006/relationships" xmlns:p="http://schemas.openxmlformats.org/presentationml/2006/main">
+<p:sld xmlns:a="http://schemas.openxmlformats.org/drawingml/2006/main" xmlns:r="http://schemas.openxmlformats.org/officeDocument/2006/relationships" xmlns:p="http://schemas.openxmlformats.org/presentationml/2006/main" show="0">
   <p:cSld>
     <p:spTree>
       <p:nvGrpSpPr>
@@ -4150,157 +4676,170 @@
                   <a:buNone/>
                 </a:pPr>
                 <a:r>
-                  <a:rPr sz="1600" dirty="0" err="1"/>
+                  <a:rPr sz="1600" dirty="0"/>
                   <a:t>ExpPow</a:t>
                 </a:r>
                 <a:r>
                   <a:rPr lang="en-US" sz="1600" dirty="0"/>
                   <a:t> </a:t>
                 </a:r>
+                <a:endParaRPr lang="en-US" sz="1600" dirty="0">
+                  <a:latin typeface="Cambria Math" panose="02040503050406030204" pitchFamily="18" charset="0"/>
+                </a:endParaRPr>
+              </a:p>
+              <a:p>
+                <a:pPr marL="0" lvl="0" indent="0">
+                  <a:buNone/>
+                </a:pPr>
                 <a14:m>
-                  <m:oMath xmlns:m="http://schemas.openxmlformats.org/officeDocument/2006/math">
-                    <m:r>
-                      <a:rPr sz="1600">
-                        <a:latin typeface="Cambria Math" panose="02040503050406030204" pitchFamily="18" charset="0"/>
-                      </a:rPr>
-                      <m:t>𝑓</m:t>
-                    </m:r>
-                    <m:d>
-                      <m:dPr>
-                        <m:ctrlPr>
-                          <a:rPr sz="1600" i="1">
-                            <a:latin typeface="Cambria Math" panose="02040503050406030204" pitchFamily="18" charset="0"/>
-                          </a:rPr>
-                        </m:ctrlPr>
-                      </m:dPr>
-                      <m:e>
-                        <m:r>
-                          <a:rPr sz="1600">
-                            <a:latin typeface="Cambria Math" panose="02040503050406030204" pitchFamily="18" charset="0"/>
-                          </a:rPr>
-                          <m:t>𝐸</m:t>
-                        </m:r>
-                      </m:e>
-                    </m:d>
-                    <m:r>
-                      <a:rPr sz="1600">
-                        <a:latin typeface="Cambria Math" panose="02040503050406030204" pitchFamily="18" charset="0"/>
-                      </a:rPr>
-                      <m:t>=</m:t>
-                    </m:r>
-                    <m:r>
-                      <a:rPr sz="1600">
-                        <a:latin typeface="Cambria Math" panose="02040503050406030204" pitchFamily="18" charset="0"/>
-                      </a:rPr>
-                      <m:t>𝐴</m:t>
-                    </m:r>
-                    <m:r>
-                      <a:rPr sz="1600">
-                        <a:latin typeface="Cambria Math" panose="02040503050406030204" pitchFamily="18" charset="0"/>
-                      </a:rPr>
-                      <m:t> </m:t>
-                    </m:r>
-                    <m:sSup>
-                      <m:sSupPr>
-                        <m:ctrlPr>
-                          <a:rPr sz="1600" i="1">
-                            <a:latin typeface="Cambria Math" panose="02040503050406030204" pitchFamily="18" charset="0"/>
-                          </a:rPr>
-                        </m:ctrlPr>
-                      </m:sSupPr>
-                      <m:e>
-                        <m:r>
-                          <a:rPr sz="1600">
-                            <a:latin typeface="Cambria Math" panose="02040503050406030204" pitchFamily="18" charset="0"/>
-                          </a:rPr>
-                          <m:t>𝐸</m:t>
-                        </m:r>
-                      </m:e>
-                      <m:sup>
-                        <m:r>
-                          <a:rPr sz="1600">
-                            <a:latin typeface="Cambria Math" panose="02040503050406030204" pitchFamily="18" charset="0"/>
-                          </a:rPr>
-                          <m:t>−</m:t>
-                        </m:r>
-                        <m:r>
-                          <a:rPr sz="1600">
-                            <a:latin typeface="Cambria Math" panose="02040503050406030204" pitchFamily="18" charset="0"/>
-                          </a:rPr>
-                          <m:t>𝛾</m:t>
-                        </m:r>
-                      </m:sup>
-                    </m:sSup>
-                    <m:r>
-                      <a:rPr sz="1600">
-                        <a:latin typeface="Cambria Math" panose="02040503050406030204" pitchFamily="18" charset="0"/>
-                      </a:rPr>
-                      <m:t> </m:t>
-                    </m:r>
-                    <m:r>
-                      <m:rPr>
-                        <m:sty m:val="p"/>
-                      </m:rPr>
-                      <a:rPr sz="1600">
-                        <a:latin typeface="Cambria Math" panose="02040503050406030204" pitchFamily="18" charset="0"/>
-                      </a:rPr>
-                      <m:t>exp</m:t>
-                    </m:r>
-                    <m:d>
-                      <m:dPr>
-                        <m:ctrlPr>
-                          <a:rPr sz="1600" i="1">
-                            <a:latin typeface="Cambria Math" panose="02040503050406030204" pitchFamily="18" charset="0"/>
-                          </a:rPr>
-                        </m:ctrlPr>
-                      </m:dPr>
-                      <m:e>
-                        <m:r>
-                          <a:rPr sz="1600">
-                            <a:latin typeface="Cambria Math" panose="02040503050406030204" pitchFamily="18" charset="0"/>
-                          </a:rPr>
-                          <m:t>−</m:t>
-                        </m:r>
-                        <m:r>
-                          <a:rPr sz="1600">
-                            <a:latin typeface="Cambria Math" panose="02040503050406030204" pitchFamily="18" charset="0"/>
-                          </a:rPr>
-                          <m:t>𝐸</m:t>
-                        </m:r>
-                        <m:r>
-                          <a:rPr sz="1600">
-                            <a:latin typeface="Cambria Math" panose="02040503050406030204" pitchFamily="18" charset="0"/>
-                          </a:rPr>
-                          <m:t>/</m:t>
-                        </m:r>
-                        <m:sSub>
-                          <m:sSubPr>
-                            <m:ctrlPr>
-                              <a:rPr sz="1600" i="1">
-                                <a:latin typeface="Cambria Math" panose="02040503050406030204" pitchFamily="18" charset="0"/>
-                              </a:rPr>
-                            </m:ctrlPr>
-                          </m:sSubPr>
-                          <m:e>
-                            <m:r>
-                              <a:rPr sz="1600">
-                                <a:latin typeface="Cambria Math" panose="02040503050406030204" pitchFamily="18" charset="0"/>
-                              </a:rPr>
-                              <m:t>𝐸</m:t>
-                            </m:r>
-                          </m:e>
-                          <m:sub>
-                            <m:r>
-                              <a:rPr sz="1600">
-                                <a:latin typeface="Cambria Math" panose="02040503050406030204" pitchFamily="18" charset="0"/>
-                              </a:rPr>
-                              <m:t>𝑐</m:t>
-                            </m:r>
-                          </m:sub>
-                        </m:sSub>
-                      </m:e>
-                    </m:d>
-                  </m:oMath>
+                  <m:oMathPara xmlns:m="http://schemas.openxmlformats.org/officeDocument/2006/math">
+                    <m:oMathParaPr>
+                      <m:jc m:val="centerGroup"/>
+                    </m:oMathParaPr>
+                    <m:oMath xmlns:m="http://schemas.openxmlformats.org/officeDocument/2006/math">
+                      <m:r>
+                        <a:rPr sz="1600">
+                          <a:latin typeface="Cambria Math" panose="02040503050406030204" pitchFamily="18" charset="0"/>
+                        </a:rPr>
+                        <m:t>𝑓</m:t>
+                      </m:r>
+                      <m:d>
+                        <m:dPr>
+                          <m:ctrlPr>
+                            <a:rPr sz="1600" i="1">
+                              <a:latin typeface="Cambria Math" panose="02040503050406030204" pitchFamily="18" charset="0"/>
+                            </a:rPr>
+                          </m:ctrlPr>
+                        </m:dPr>
+                        <m:e>
+                          <m:r>
+                            <a:rPr sz="1600">
+                              <a:latin typeface="Cambria Math" panose="02040503050406030204" pitchFamily="18" charset="0"/>
+                            </a:rPr>
+                            <m:t>𝐸</m:t>
+                          </m:r>
+                        </m:e>
+                      </m:d>
+                      <m:r>
+                        <a:rPr sz="1600">
+                          <a:latin typeface="Cambria Math" panose="02040503050406030204" pitchFamily="18" charset="0"/>
+                        </a:rPr>
+                        <m:t>=</m:t>
+                      </m:r>
+                      <m:r>
+                        <a:rPr sz="1600">
+                          <a:latin typeface="Cambria Math" panose="02040503050406030204" pitchFamily="18" charset="0"/>
+                        </a:rPr>
+                        <m:t>𝐴</m:t>
+                      </m:r>
+                      <m:r>
+                        <a:rPr sz="1600">
+                          <a:latin typeface="Cambria Math" panose="02040503050406030204" pitchFamily="18" charset="0"/>
+                        </a:rPr>
+                        <m:t> </m:t>
+                      </m:r>
+                      <m:sSup>
+                        <m:sSupPr>
+                          <m:ctrlPr>
+                            <a:rPr sz="1600" i="1">
+                              <a:latin typeface="Cambria Math" panose="02040503050406030204" pitchFamily="18" charset="0"/>
+                            </a:rPr>
+                          </m:ctrlPr>
+                        </m:sSupPr>
+                        <m:e>
+                          <m:r>
+                            <a:rPr sz="1600">
+                              <a:latin typeface="Cambria Math" panose="02040503050406030204" pitchFamily="18" charset="0"/>
+                            </a:rPr>
+                            <m:t>𝐸</m:t>
+                          </m:r>
+                        </m:e>
+                        <m:sup>
+                          <m:r>
+                            <a:rPr sz="1600">
+                              <a:latin typeface="Cambria Math" panose="02040503050406030204" pitchFamily="18" charset="0"/>
+                            </a:rPr>
+                            <m:t>−</m:t>
+                          </m:r>
+                          <m:r>
+                            <a:rPr sz="1600">
+                              <a:latin typeface="Cambria Math" panose="02040503050406030204" pitchFamily="18" charset="0"/>
+                            </a:rPr>
+                            <m:t>𝛾</m:t>
+                          </m:r>
+                        </m:sup>
+                      </m:sSup>
+                      <m:r>
+                        <a:rPr sz="1600">
+                          <a:latin typeface="Cambria Math" panose="02040503050406030204" pitchFamily="18" charset="0"/>
+                        </a:rPr>
+                        <m:t> </m:t>
+                      </m:r>
+                      <m:r>
+                        <m:rPr>
+                          <m:sty m:val="p"/>
+                        </m:rPr>
+                        <a:rPr sz="1600">
+                          <a:latin typeface="Cambria Math" panose="02040503050406030204" pitchFamily="18" charset="0"/>
+                        </a:rPr>
+                        <m:t>exp</m:t>
+                      </m:r>
+                      <m:d>
+                        <m:dPr>
+                          <m:ctrlPr>
+                            <a:rPr sz="1600" i="1">
+                              <a:latin typeface="Cambria Math" panose="02040503050406030204" pitchFamily="18" charset="0"/>
+                            </a:rPr>
+                          </m:ctrlPr>
+                        </m:dPr>
+                        <m:e>
+                          <m:r>
+                            <a:rPr sz="1600">
+                              <a:latin typeface="Cambria Math" panose="02040503050406030204" pitchFamily="18" charset="0"/>
+                            </a:rPr>
+                            <m:t>−</m:t>
+                          </m:r>
+                          <m:r>
+                            <a:rPr sz="1600">
+                              <a:latin typeface="Cambria Math" panose="02040503050406030204" pitchFamily="18" charset="0"/>
+                            </a:rPr>
+                            <m:t>𝐸</m:t>
+                          </m:r>
+                          <m:r>
+                            <a:rPr sz="1600">
+                              <a:latin typeface="Cambria Math" panose="02040503050406030204" pitchFamily="18" charset="0"/>
+                            </a:rPr>
+                            <m:t>/</m:t>
+                          </m:r>
+                          <m:sSub>
+                            <m:sSubPr>
+                              <m:ctrlPr>
+                                <a:rPr sz="1600" i="1">
+                                  <a:latin typeface="Cambria Math" panose="02040503050406030204" pitchFamily="18" charset="0"/>
+                                </a:rPr>
+                              </m:ctrlPr>
+                            </m:sSubPr>
+                            <m:e>
+                              <m:r>
+                                <a:rPr sz="1600">
+                                  <a:latin typeface="Cambria Math" panose="02040503050406030204" pitchFamily="18" charset="0"/>
+                                </a:rPr>
+                                <m:t>𝐸</m:t>
+                              </m:r>
+                            </m:e>
+                            <m:sub>
+                              <m:r>
+                                <a:rPr sz="1600">
+                                  <a:latin typeface="Cambria Math" panose="02040503050406030204" pitchFamily="18" charset="0"/>
+                                </a:rPr>
+                                <m:t>𝑐</m:t>
+                              </m:r>
+                            </m:sub>
+                          </m:sSub>
+                        </m:e>
+                      </m:d>
+                    </m:oMath>
+                  </m:oMathPara>
                 </a14:m>
                 <a:endParaRPr sz="1600" dirty="0"/>
               </a:p>
@@ -4543,8 +5082,8 @@
         </p:blipFill>
         <p:spPr bwMode="auto">
           <a:xfrm>
-            <a:off x="3568700" y="355600"/>
-            <a:ext cx="5105400" cy="4089400"/>
+            <a:off x="3568700" y="0"/>
+            <a:ext cx="5575300" cy="5143500"/>
           </a:xfrm>
           <a:prstGeom prst="rect">
             <a:avLst/>
@@ -4804,15 +5343,21 @@
               <a:buNone/>
             </a:pPr>
             <a:r>
-              <a:rPr b="1"/>
+              <a:rPr b="1" dirty="0"/>
               <a:t>Sampling and parameters</a:t>
             </a:r>
+            <a:r>
+              <a:rPr lang="en-US" b="1" dirty="0"/>
+              <a:t> ~30000</a:t>
+            </a:r>
+            <a:endParaRPr b="1" dirty="0"/>
           </a:p>
           <a:p>
             <a:pPr marL="0" lvl="0" indent="0">
               <a:buNone/>
             </a:pPr>
             <a:r>
+              <a:rPr dirty="0"/>
               <a:t>Conjunction sampling by MLT/MLAT and AE:</a:t>
             </a:r>
           </a:p>
@@ -4933,6 +5478,508 @@
           </a:ln>
         </p:spPr>
       </p:pic>
+      <mc:AlternateContent xmlns:mc="http://schemas.openxmlformats.org/markup-compatibility/2006">
+        <mc:Choice xmlns:a14="http://schemas.microsoft.com/office/drawing/2010/main" Requires="a14">
+          <p:sp>
+            <p:nvSpPr>
+              <p:cNvPr id="5" name="TextBox 4">
+                <a:extLst>
+                  <a:ext uri="{FF2B5EF4-FFF2-40B4-BE49-F238E27FC236}">
+                    <a16:creationId xmlns:a16="http://schemas.microsoft.com/office/drawing/2014/main" id="{124A8CCD-93C5-E7A7-F4D6-657745629035}"/>
+                  </a:ext>
+                </a:extLst>
+              </p:cNvPr>
+              <p:cNvSpPr txBox="1"/>
+              <p:nvPr/>
+            </p:nvSpPr>
+            <p:spPr>
+              <a:xfrm>
+                <a:off x="1013902" y="484648"/>
+                <a:ext cx="2925175" cy="369332"/>
+              </a:xfrm>
+              <a:prstGeom prst="rect">
+                <a:avLst/>
+              </a:prstGeom>
+            </p:spPr>
+            <p:style>
+              <a:lnRef idx="2">
+                <a:schemeClr val="dk1"/>
+              </a:lnRef>
+              <a:fillRef idx="1">
+                <a:schemeClr val="lt1"/>
+              </a:fillRef>
+              <a:effectRef idx="0">
+                <a:schemeClr val="dk1"/>
+              </a:effectRef>
+              <a:fontRef idx="minor">
+                <a:schemeClr val="dk1"/>
+              </a:fontRef>
+            </p:style>
+            <p:txBody>
+              <a:bodyPr wrap="square">
+                <a:spAutoFit/>
+              </a:bodyPr>
+              <a:lstStyle/>
+              <a:p>
+                <a:pPr/>
+                <a14:m>
+                  <m:oMathPara xmlns:m="http://schemas.openxmlformats.org/officeDocument/2006/math">
+                    <m:oMathParaPr>
+                      <m:jc m:val="centerGroup"/>
+                    </m:oMathParaPr>
+                    <m:oMath xmlns:m="http://schemas.openxmlformats.org/officeDocument/2006/math">
+                      <m:r>
+                        <a:rPr lang="ar-AE" sz="1800" smtClean="0">
+                          <a:latin typeface="Cambria Math" panose="02040503050406030204" pitchFamily="18" charset="0"/>
+                        </a:rPr>
+                        <m:t>𝑓</m:t>
+                      </m:r>
+                      <m:d>
+                        <m:dPr>
+                          <m:ctrlPr>
+                            <a:rPr lang="ar-AE" sz="1800" i="1">
+                              <a:latin typeface="Cambria Math" panose="02040503050406030204" pitchFamily="18" charset="0"/>
+                            </a:rPr>
+                          </m:ctrlPr>
+                        </m:dPr>
+                        <m:e>
+                          <m:r>
+                            <a:rPr lang="ar-AE" sz="1800">
+                              <a:latin typeface="Cambria Math" panose="02040503050406030204" pitchFamily="18" charset="0"/>
+                            </a:rPr>
+                            <m:t>𝐸</m:t>
+                          </m:r>
+                        </m:e>
+                      </m:d>
+                      <m:r>
+                        <a:rPr lang="ar-AE" sz="1800">
+                          <a:latin typeface="Cambria Math" panose="02040503050406030204" pitchFamily="18" charset="0"/>
+                        </a:rPr>
+                        <m:t>=</m:t>
+                      </m:r>
+                      <m:r>
+                        <a:rPr lang="ar-AE" sz="1800">
+                          <a:latin typeface="Cambria Math" panose="02040503050406030204" pitchFamily="18" charset="0"/>
+                        </a:rPr>
+                        <m:t>𝐴</m:t>
+                      </m:r>
+                      <m:r>
+                        <a:rPr lang="ar-AE" sz="1800">
+                          <a:latin typeface="Cambria Math" panose="02040503050406030204" pitchFamily="18" charset="0"/>
+                        </a:rPr>
+                        <m:t> </m:t>
+                      </m:r>
+                      <m:sSup>
+                        <m:sSupPr>
+                          <m:ctrlPr>
+                            <a:rPr lang="ar-AE" sz="1800" i="1">
+                              <a:latin typeface="Cambria Math" panose="02040503050406030204" pitchFamily="18" charset="0"/>
+                            </a:rPr>
+                          </m:ctrlPr>
+                        </m:sSupPr>
+                        <m:e>
+                          <m:r>
+                            <a:rPr lang="ar-AE" sz="1800">
+                              <a:latin typeface="Cambria Math" panose="02040503050406030204" pitchFamily="18" charset="0"/>
+                            </a:rPr>
+                            <m:t>𝐸</m:t>
+                          </m:r>
+                        </m:e>
+                        <m:sup>
+                          <m:r>
+                            <a:rPr lang="ar-AE" sz="1800">
+                              <a:latin typeface="Cambria Math" panose="02040503050406030204" pitchFamily="18" charset="0"/>
+                            </a:rPr>
+                            <m:t>−</m:t>
+                          </m:r>
+                          <m:r>
+                            <a:rPr lang="ar-AE" sz="1800">
+                              <a:latin typeface="Cambria Math" panose="02040503050406030204" pitchFamily="18" charset="0"/>
+                            </a:rPr>
+                            <m:t>𝛾</m:t>
+                          </m:r>
+                        </m:sup>
+                      </m:sSup>
+                      <m:r>
+                        <a:rPr lang="ar-AE" sz="1800">
+                          <a:latin typeface="Cambria Math" panose="02040503050406030204" pitchFamily="18" charset="0"/>
+                        </a:rPr>
+                        <m:t> </m:t>
+                      </m:r>
+                      <m:r>
+                        <m:rPr>
+                          <m:sty m:val="p"/>
+                        </m:rPr>
+                        <a:rPr lang="en-US" sz="1800">
+                          <a:latin typeface="Cambria Math" panose="02040503050406030204" pitchFamily="18" charset="0"/>
+                        </a:rPr>
+                        <m:t>exp</m:t>
+                      </m:r>
+                      <m:d>
+                        <m:dPr>
+                          <m:ctrlPr>
+                            <a:rPr lang="ar-AE" sz="1800" i="1">
+                              <a:latin typeface="Cambria Math" panose="02040503050406030204" pitchFamily="18" charset="0"/>
+                            </a:rPr>
+                          </m:ctrlPr>
+                        </m:dPr>
+                        <m:e>
+                          <m:r>
+                            <a:rPr lang="ar-AE" sz="1800">
+                              <a:latin typeface="Cambria Math" panose="02040503050406030204" pitchFamily="18" charset="0"/>
+                            </a:rPr>
+                            <m:t>−</m:t>
+                          </m:r>
+                          <m:r>
+                            <a:rPr lang="ar-AE" sz="1800">
+                              <a:latin typeface="Cambria Math" panose="02040503050406030204" pitchFamily="18" charset="0"/>
+                            </a:rPr>
+                            <m:t>𝐸</m:t>
+                          </m:r>
+                          <m:r>
+                            <a:rPr lang="ar-AE" sz="1800">
+                              <a:latin typeface="Cambria Math" panose="02040503050406030204" pitchFamily="18" charset="0"/>
+                            </a:rPr>
+                            <m:t>/</m:t>
+                          </m:r>
+                          <m:sSub>
+                            <m:sSubPr>
+                              <m:ctrlPr>
+                                <a:rPr lang="ar-AE" sz="1800" i="1">
+                                  <a:latin typeface="Cambria Math" panose="02040503050406030204" pitchFamily="18" charset="0"/>
+                                </a:rPr>
+                              </m:ctrlPr>
+                            </m:sSubPr>
+                            <m:e>
+                              <m:r>
+                                <a:rPr lang="ar-AE" sz="1800">
+                                  <a:latin typeface="Cambria Math" panose="02040503050406030204" pitchFamily="18" charset="0"/>
+                                </a:rPr>
+                                <m:t>𝐸</m:t>
+                              </m:r>
+                            </m:e>
+                            <m:sub>
+                              <m:r>
+                                <a:rPr lang="ar-AE" sz="1800">
+                                  <a:latin typeface="Cambria Math" panose="02040503050406030204" pitchFamily="18" charset="0"/>
+                                </a:rPr>
+                                <m:t>𝑐</m:t>
+                              </m:r>
+                            </m:sub>
+                          </m:sSub>
+                        </m:e>
+                      </m:d>
+                    </m:oMath>
+                  </m:oMathPara>
+                </a14:m>
+                <a:endParaRPr lang="en-US" dirty="0"/>
+              </a:p>
+            </p:txBody>
+          </p:sp>
+        </mc:Choice>
+        <mc:Fallback>
+          <p:sp>
+            <p:nvSpPr>
+              <p:cNvPr id="5" name="TextBox 4">
+                <a:extLst>
+                  <a:ext uri="{FF2B5EF4-FFF2-40B4-BE49-F238E27FC236}">
+                    <a16:creationId xmlns:a16="http://schemas.microsoft.com/office/drawing/2014/main" id="{124A8CCD-93C5-E7A7-F4D6-657745629035}"/>
+                  </a:ext>
+                </a:extLst>
+              </p:cNvPr>
+              <p:cNvSpPr txBox="1">
+                <a:spLocks noRot="1" noChangeAspect="1" noMove="1" noResize="1" noEditPoints="1" noAdjustHandles="1" noChangeArrowheads="1" noChangeShapeType="1" noTextEdit="1"/>
+              </p:cNvSpPr>
+              <p:nvPr/>
+            </p:nvSpPr>
+            <p:spPr>
+              <a:xfrm>
+                <a:off x="1013902" y="484648"/>
+                <a:ext cx="2925175" cy="369332"/>
+              </a:xfrm>
+              <a:prstGeom prst="rect">
+                <a:avLst/>
+              </a:prstGeom>
+              <a:blipFill>
+                <a:blip r:embed="rId3"/>
+                <a:stretch>
+                  <a:fillRect b="-9375"/>
+                </a:stretch>
+              </a:blipFill>
+            </p:spPr>
+            <p:txBody>
+              <a:bodyPr/>
+              <a:lstStyle/>
+              <a:p>
+                <a:r>
+                  <a:rPr lang="en-US">
+                    <a:noFill/>
+                  </a:rPr>
+                  <a:t> </a:t>
+                </a:r>
+              </a:p>
+            </p:txBody>
+          </p:sp>
+        </mc:Fallback>
+      </mc:AlternateContent>
+      <mc:AlternateContent xmlns:mc="http://schemas.openxmlformats.org/markup-compatibility/2006">
+        <mc:Choice xmlns:a14="http://schemas.microsoft.com/office/drawing/2010/main" Requires="a14">
+          <p:sp>
+            <p:nvSpPr>
+              <p:cNvPr id="7" name="TextBox 6">
+                <a:extLst>
+                  <a:ext uri="{FF2B5EF4-FFF2-40B4-BE49-F238E27FC236}">
+                    <a16:creationId xmlns:a16="http://schemas.microsoft.com/office/drawing/2014/main" id="{04A8FAE2-D239-F507-04EC-2F42E1A63F26}"/>
+                  </a:ext>
+                </a:extLst>
+              </p:cNvPr>
+              <p:cNvSpPr txBox="1"/>
+              <p:nvPr/>
+            </p:nvSpPr>
+            <p:spPr>
+              <a:xfrm>
+                <a:off x="5122423" y="475351"/>
+                <a:ext cx="3866189" cy="387927"/>
+              </a:xfrm>
+              <a:prstGeom prst="rect">
+                <a:avLst/>
+              </a:prstGeom>
+            </p:spPr>
+            <p:style>
+              <a:lnRef idx="2">
+                <a:schemeClr val="dk1"/>
+              </a:lnRef>
+              <a:fillRef idx="1">
+                <a:schemeClr val="lt1"/>
+              </a:fillRef>
+              <a:effectRef idx="0">
+                <a:schemeClr val="dk1"/>
+              </a:effectRef>
+              <a:fontRef idx="minor">
+                <a:schemeClr val="dk1"/>
+              </a:fontRef>
+            </p:style>
+            <p:txBody>
+              <a:bodyPr wrap="square">
+                <a:spAutoFit/>
+              </a:bodyPr>
+              <a:lstStyle/>
+              <a:p>
+                <a:pPr/>
+                <a14:m>
+                  <m:oMathPara xmlns:m="http://schemas.openxmlformats.org/officeDocument/2006/math">
+                    <m:oMathParaPr>
+                      <m:jc m:val="centerGroup"/>
+                    </m:oMathParaPr>
+                    <m:oMath xmlns:m="http://schemas.openxmlformats.org/officeDocument/2006/math">
+                      <m:r>
+                        <a:rPr lang="ar-AE" sz="1800" smtClean="0">
+                          <a:latin typeface="Cambria Math" panose="02040503050406030204" pitchFamily="18" charset="0"/>
+                        </a:rPr>
+                        <m:t>𝑓</m:t>
+                      </m:r>
+                      <m:d>
+                        <m:dPr>
+                          <m:ctrlPr>
+                            <a:rPr lang="ar-AE" sz="1800" i="1">
+                              <a:latin typeface="Cambria Math" panose="02040503050406030204" pitchFamily="18" charset="0"/>
+                            </a:rPr>
+                          </m:ctrlPr>
+                        </m:dPr>
+                        <m:e>
+                          <m:r>
+                            <a:rPr lang="ar-AE" sz="1800">
+                              <a:latin typeface="Cambria Math" panose="02040503050406030204" pitchFamily="18" charset="0"/>
+                            </a:rPr>
+                            <m:t>𝐸</m:t>
+                          </m:r>
+                        </m:e>
+                      </m:d>
+                      <m:r>
+                        <a:rPr lang="ar-AE" sz="1800">
+                          <a:latin typeface="Cambria Math" panose="02040503050406030204" pitchFamily="18" charset="0"/>
+                        </a:rPr>
+                        <m:t>=</m:t>
+                      </m:r>
+                      <m:r>
+                        <a:rPr lang="ar-AE" sz="1800">
+                          <a:latin typeface="Cambria Math" panose="02040503050406030204" pitchFamily="18" charset="0"/>
+                        </a:rPr>
+                        <m:t>𝐴</m:t>
+                      </m:r>
+                      <m:r>
+                        <a:rPr lang="ar-AE" sz="1800">
+                          <a:latin typeface="Cambria Math" panose="02040503050406030204" pitchFamily="18" charset="0"/>
+                        </a:rPr>
+                        <m:t> </m:t>
+                      </m:r>
+                      <m:r>
+                        <a:rPr lang="ar-AE" sz="1800">
+                          <a:latin typeface="Cambria Math" panose="02040503050406030204" pitchFamily="18" charset="0"/>
+                        </a:rPr>
+                        <m:t>𝐸</m:t>
+                      </m:r>
+                      <m:r>
+                        <a:rPr lang="ar-AE" sz="1800">
+                          <a:latin typeface="Cambria Math" panose="02040503050406030204" pitchFamily="18" charset="0"/>
+                        </a:rPr>
+                        <m:t> (1+</m:t>
+                      </m:r>
+                      <m:r>
+                        <a:rPr lang="ar-AE" sz="1800">
+                          <a:latin typeface="Cambria Math" panose="02040503050406030204" pitchFamily="18" charset="0"/>
+                        </a:rPr>
+                        <m:t>𝐸</m:t>
+                      </m:r>
+                      <m:r>
+                        <a:rPr lang="ar-AE" sz="1800">
+                          <a:latin typeface="Cambria Math" panose="02040503050406030204" pitchFamily="18" charset="0"/>
+                        </a:rPr>
+                        <m:t>/</m:t>
+                      </m:r>
+                      <m:d>
+                        <m:dPr>
+                          <m:ctrlPr>
+                            <a:rPr lang="ar-AE" sz="1800" i="1">
+                              <a:latin typeface="Cambria Math" panose="02040503050406030204" pitchFamily="18" charset="0"/>
+                            </a:rPr>
+                          </m:ctrlPr>
+                        </m:dPr>
+                        <m:e>
+                          <m:r>
+                            <a:rPr lang="ar-AE" sz="1800">
+                              <a:latin typeface="Cambria Math" panose="02040503050406030204" pitchFamily="18" charset="0"/>
+                            </a:rPr>
+                            <m:t>𝜅</m:t>
+                          </m:r>
+                          <m:sSub>
+                            <m:sSubPr>
+                              <m:ctrlPr>
+                                <a:rPr lang="ar-AE" sz="1800" i="1">
+                                  <a:latin typeface="Cambria Math" panose="02040503050406030204" pitchFamily="18" charset="0"/>
+                                </a:rPr>
+                              </m:ctrlPr>
+                            </m:sSubPr>
+                            <m:e>
+                              <m:r>
+                                <a:rPr lang="ar-AE" sz="1800">
+                                  <a:latin typeface="Cambria Math" panose="02040503050406030204" pitchFamily="18" charset="0"/>
+                                </a:rPr>
+                                <m:t>𝐸</m:t>
+                              </m:r>
+                            </m:e>
+                            <m:sub>
+                              <m:r>
+                                <a:rPr lang="ar-AE" sz="1800">
+                                  <a:latin typeface="Cambria Math" panose="02040503050406030204" pitchFamily="18" charset="0"/>
+                                </a:rPr>
+                                <m:t>𝑐</m:t>
+                              </m:r>
+                            </m:sub>
+                          </m:sSub>
+                        </m:e>
+                      </m:d>
+                      <m:sSup>
+                        <m:sSupPr>
+                          <m:ctrlPr>
+                            <a:rPr lang="ar-AE" sz="1800" i="1">
+                              <a:latin typeface="Cambria Math" panose="02040503050406030204" pitchFamily="18" charset="0"/>
+                            </a:rPr>
+                          </m:ctrlPr>
+                        </m:sSupPr>
+                        <m:e>
+                          <m:r>
+                            <a:rPr lang="ar-AE" sz="1800">
+                              <a:latin typeface="Cambria Math" panose="02040503050406030204" pitchFamily="18" charset="0"/>
+                            </a:rPr>
+                            <m:t>)</m:t>
+                          </m:r>
+                        </m:e>
+                        <m:sup>
+                          <m:r>
+                            <a:rPr lang="ar-AE" sz="1800">
+                              <a:latin typeface="Cambria Math" panose="02040503050406030204" pitchFamily="18" charset="0"/>
+                            </a:rPr>
+                            <m:t>−</m:t>
+                          </m:r>
+                          <m:d>
+                            <m:dPr>
+                              <m:ctrlPr>
+                                <a:rPr lang="ar-AE" sz="1800" i="1">
+                                  <a:latin typeface="Cambria Math" panose="02040503050406030204" pitchFamily="18" charset="0"/>
+                                </a:rPr>
+                              </m:ctrlPr>
+                            </m:dPr>
+                            <m:e>
+                              <m:r>
+                                <a:rPr lang="ar-AE" sz="1800">
+                                  <a:latin typeface="Cambria Math" panose="02040503050406030204" pitchFamily="18" charset="0"/>
+                                </a:rPr>
+                                <m:t>𝜅</m:t>
+                              </m:r>
+                              <m:r>
+                                <a:rPr lang="ar-AE" sz="1800">
+                                  <a:latin typeface="Cambria Math" panose="02040503050406030204" pitchFamily="18" charset="0"/>
+                                </a:rPr>
+                                <m:t>+1</m:t>
+                              </m:r>
+                            </m:e>
+                          </m:d>
+                        </m:sup>
+                      </m:sSup>
+                    </m:oMath>
+                  </m:oMathPara>
+                </a14:m>
+                <a:endParaRPr lang="en-US" dirty="0"/>
+              </a:p>
+            </p:txBody>
+          </p:sp>
+        </mc:Choice>
+        <mc:Fallback>
+          <p:sp>
+            <p:nvSpPr>
+              <p:cNvPr id="7" name="TextBox 6">
+                <a:extLst>
+                  <a:ext uri="{FF2B5EF4-FFF2-40B4-BE49-F238E27FC236}">
+                    <a16:creationId xmlns:a16="http://schemas.microsoft.com/office/drawing/2014/main" id="{04A8FAE2-D239-F507-04EC-2F42E1A63F26}"/>
+                  </a:ext>
+                </a:extLst>
+              </p:cNvPr>
+              <p:cNvSpPr txBox="1">
+                <a:spLocks noRot="1" noChangeAspect="1" noMove="1" noResize="1" noEditPoints="1" noAdjustHandles="1" noChangeArrowheads="1" noChangeShapeType="1" noTextEdit="1"/>
+              </p:cNvSpPr>
+              <p:nvPr/>
+            </p:nvSpPr>
+            <p:spPr>
+              <a:xfrm>
+                <a:off x="5122423" y="475351"/>
+                <a:ext cx="3866189" cy="387927"/>
+              </a:xfrm>
+              <a:prstGeom prst="rect">
+                <a:avLst/>
+              </a:prstGeom>
+              <a:blipFill>
+                <a:blip r:embed="rId4"/>
+                <a:stretch>
+                  <a:fillRect b="-8824"/>
+                </a:stretch>
+              </a:blipFill>
+            </p:spPr>
+            <p:txBody>
+              <a:bodyPr/>
+              <a:lstStyle/>
+              <a:p>
+                <a:r>
+                  <a:rPr lang="en-US">
+                    <a:noFill/>
+                  </a:rPr>
+                  <a:t> </a:t>
+                </a:r>
+              </a:p>
+            </p:txBody>
+          </p:sp>
+        </mc:Fallback>
+      </mc:AlternateContent>
     </p:spTree>
   </p:cSld>
   <p:clrMapOvr>
@@ -5364,4 +6411,319 @@
   </a:objectDefaults>
   <a:extraClrSchemeLst/>
 </a:theme>
+</file>
+
+<file path=ppt/theme/theme2.xml><?xml version="1.0" encoding="utf-8"?>
+<a:theme xmlns:a="http://schemas.openxmlformats.org/drawingml/2006/main" name="Office Theme">
+  <a:themeElements>
+    <a:clrScheme name="Office">
+      <a:dk1>
+        <a:sysClr val="windowText" lastClr="000000"/>
+      </a:dk1>
+      <a:lt1>
+        <a:sysClr val="window" lastClr="FFFFFF"/>
+      </a:lt1>
+      <a:dk2>
+        <a:srgbClr val="0E2841"/>
+      </a:dk2>
+      <a:lt2>
+        <a:srgbClr val="E8E8E8"/>
+      </a:lt2>
+      <a:accent1>
+        <a:srgbClr val="156082"/>
+      </a:accent1>
+      <a:accent2>
+        <a:srgbClr val="E97132"/>
+      </a:accent2>
+      <a:accent3>
+        <a:srgbClr val="196B24"/>
+      </a:accent3>
+      <a:accent4>
+        <a:srgbClr val="0F9ED5"/>
+      </a:accent4>
+      <a:accent5>
+        <a:srgbClr val="A02B93"/>
+      </a:accent5>
+      <a:accent6>
+        <a:srgbClr val="4EA72E"/>
+      </a:accent6>
+      <a:hlink>
+        <a:srgbClr val="467886"/>
+      </a:hlink>
+      <a:folHlink>
+        <a:srgbClr val="96607D"/>
+      </a:folHlink>
+    </a:clrScheme>
+    <a:fontScheme name="Office">
+      <a:majorFont>
+        <a:latin typeface="Aptos Display" panose="02110004020202020204"/>
+        <a:ea typeface=""/>
+        <a:cs typeface=""/>
+        <a:font script="Jpan" typeface="游ゴシック Light"/>
+        <a:font script="Hang" typeface="맑은 고딕"/>
+        <a:font script="Hans" typeface="等线 Light"/>
+        <a:font script="Hant" typeface="新細明體"/>
+        <a:font script="Arab" typeface="Times New Roman"/>
+        <a:font script="Hebr" typeface="Times New Roman"/>
+        <a:font script="Thai" typeface="Angsana New"/>
+        <a:font script="Ethi" typeface="Nyala"/>
+        <a:font script="Beng" typeface="Vrinda"/>
+        <a:font script="Gujr" typeface="Shruti"/>
+        <a:font script="Khmr" typeface="MoolBoran"/>
+        <a:font script="Knda" typeface="Tunga"/>
+        <a:font script="Guru" typeface="Raavi"/>
+        <a:font script="Cans" typeface="Euphemia"/>
+        <a:font script="Cher" typeface="Plantagenet Cherokee"/>
+        <a:font script="Yiii" typeface="Microsoft Yi Baiti"/>
+        <a:font script="Tibt" typeface="Microsoft Himalaya"/>
+        <a:font script="Thaa" typeface="MV Boli"/>
+        <a:font script="Deva" typeface="Mangal"/>
+        <a:font script="Telu" typeface="Gautami"/>
+        <a:font script="Taml" typeface="Latha"/>
+        <a:font script="Syrc" typeface="Estrangelo Edessa"/>
+        <a:font script="Orya" typeface="Kalinga"/>
+        <a:font script="Mlym" typeface="Kartika"/>
+        <a:font script="Laoo" typeface="DokChampa"/>
+        <a:font script="Sinh" typeface="Iskoola Pota"/>
+        <a:font script="Mong" typeface="Mongolian Baiti"/>
+        <a:font script="Viet" typeface="Times New Roman"/>
+        <a:font script="Uigh" typeface="Microsoft Uighur"/>
+        <a:font script="Geor" typeface="Sylfaen"/>
+        <a:font script="Armn" typeface="Arial"/>
+        <a:font script="Bugi" typeface="Leelawadee UI"/>
+        <a:font script="Bopo" typeface="Microsoft JhengHei"/>
+        <a:font script="Java" typeface="Javanese Text"/>
+        <a:font script="Lisu" typeface="Segoe UI"/>
+        <a:font script="Mymr" typeface="Myanmar Text"/>
+        <a:font script="Nkoo" typeface="Ebrima"/>
+        <a:font script="Olck" typeface="Nirmala UI"/>
+        <a:font script="Osma" typeface="Ebrima"/>
+        <a:font script="Phag" typeface="Phagspa"/>
+        <a:font script="Syrn" typeface="Estrangelo Edessa"/>
+        <a:font script="Syrj" typeface="Estrangelo Edessa"/>
+        <a:font script="Syre" typeface="Estrangelo Edessa"/>
+        <a:font script="Sora" typeface="Nirmala UI"/>
+        <a:font script="Tale" typeface="Microsoft Tai Le"/>
+        <a:font script="Talu" typeface="Microsoft New Tai Lue"/>
+        <a:font script="Tfng" typeface="Ebrima"/>
+      </a:majorFont>
+      <a:minorFont>
+        <a:latin typeface="Aptos" panose="02110004020202020204"/>
+        <a:ea typeface=""/>
+        <a:cs typeface=""/>
+        <a:font script="Jpan" typeface="游ゴシック"/>
+        <a:font script="Hang" typeface="맑은 고딕"/>
+        <a:font script="Hans" typeface="等线"/>
+        <a:font script="Hant" typeface="新細明體"/>
+        <a:font script="Arab" typeface="Arial"/>
+        <a:font script="Hebr" typeface="Arial"/>
+        <a:font script="Thai" typeface="Cordia New"/>
+        <a:font script="Ethi" typeface="Nyala"/>
+        <a:font script="Beng" typeface="Vrinda"/>
+        <a:font script="Gujr" typeface="Shruti"/>
+        <a:font script="Khmr" typeface="DaunPenh"/>
+        <a:font script="Knda" typeface="Tunga"/>
+        <a:font script="Guru" typeface="Raavi"/>
+        <a:font script="Cans" typeface="Euphemia"/>
+        <a:font script="Cher" typeface="Plantagenet Cherokee"/>
+        <a:font script="Yiii" typeface="Microsoft Yi Baiti"/>
+        <a:font script="Tibt" typeface="Microsoft Himalaya"/>
+        <a:font script="Thaa" typeface="MV Boli"/>
+        <a:font script="Deva" typeface="Mangal"/>
+        <a:font script="Telu" typeface="Gautami"/>
+        <a:font script="Taml" typeface="Latha"/>
+        <a:font script="Syrc" typeface="Estrangelo Edessa"/>
+        <a:font script="Orya" typeface="Kalinga"/>
+        <a:font script="Mlym" typeface="Kartika"/>
+        <a:font script="Laoo" typeface="DokChampa"/>
+        <a:font script="Sinh" typeface="Iskoola Pota"/>
+        <a:font script="Mong" typeface="Mongolian Baiti"/>
+        <a:font script="Viet" typeface="Arial"/>
+        <a:font script="Uigh" typeface="Microsoft Uighur"/>
+        <a:font script="Geor" typeface="Sylfaen"/>
+        <a:font script="Armn" typeface="Arial"/>
+        <a:font script="Bugi" typeface="Leelawadee UI"/>
+        <a:font script="Bopo" typeface="Microsoft JhengHei"/>
+        <a:font script="Java" typeface="Javanese Text"/>
+        <a:font script="Lisu" typeface="Segoe UI"/>
+        <a:font script="Mymr" typeface="Myanmar Text"/>
+        <a:font script="Nkoo" typeface="Ebrima"/>
+        <a:font script="Olck" typeface="Nirmala UI"/>
+        <a:font script="Osma" typeface="Ebrima"/>
+        <a:font script="Phag" typeface="Phagspa"/>
+        <a:font script="Syrn" typeface="Estrangelo Edessa"/>
+        <a:font script="Syrj" typeface="Estrangelo Edessa"/>
+        <a:font script="Syre" typeface="Estrangelo Edessa"/>
+        <a:font script="Sora" typeface="Nirmala UI"/>
+        <a:font script="Tale" typeface="Microsoft Tai Le"/>
+        <a:font script="Talu" typeface="Microsoft New Tai Lue"/>
+        <a:font script="Tfng" typeface="Ebrima"/>
+      </a:minorFont>
+    </a:fontScheme>
+    <a:fmtScheme name="Office">
+      <a:fillStyleLst>
+        <a:solidFill>
+          <a:schemeClr val="phClr"/>
+        </a:solidFill>
+        <a:gradFill rotWithShape="1">
+          <a:gsLst>
+            <a:gs pos="0">
+              <a:schemeClr val="phClr">
+                <a:lumMod val="110000"/>
+                <a:satMod val="105000"/>
+                <a:tint val="67000"/>
+              </a:schemeClr>
+            </a:gs>
+            <a:gs pos="50000">
+              <a:schemeClr val="phClr">
+                <a:lumMod val="105000"/>
+                <a:satMod val="103000"/>
+                <a:tint val="73000"/>
+              </a:schemeClr>
+            </a:gs>
+            <a:gs pos="100000">
+              <a:schemeClr val="phClr">
+                <a:lumMod val="105000"/>
+                <a:satMod val="109000"/>
+                <a:tint val="81000"/>
+              </a:schemeClr>
+            </a:gs>
+          </a:gsLst>
+          <a:lin ang="5400000" scaled="0"/>
+        </a:gradFill>
+        <a:gradFill rotWithShape="1">
+          <a:gsLst>
+            <a:gs pos="0">
+              <a:schemeClr val="phClr">
+                <a:satMod val="103000"/>
+                <a:lumMod val="102000"/>
+                <a:tint val="94000"/>
+              </a:schemeClr>
+            </a:gs>
+            <a:gs pos="50000">
+              <a:schemeClr val="phClr">
+                <a:satMod val="110000"/>
+                <a:lumMod val="100000"/>
+                <a:shade val="100000"/>
+              </a:schemeClr>
+            </a:gs>
+            <a:gs pos="100000">
+              <a:schemeClr val="phClr">
+                <a:lumMod val="99000"/>
+                <a:satMod val="120000"/>
+                <a:shade val="78000"/>
+              </a:schemeClr>
+            </a:gs>
+          </a:gsLst>
+          <a:lin ang="5400000" scaled="0"/>
+        </a:gradFill>
+      </a:fillStyleLst>
+      <a:lnStyleLst>
+        <a:ln w="12700" cap="flat" cmpd="sng" algn="ctr">
+          <a:solidFill>
+            <a:schemeClr val="phClr"/>
+          </a:solidFill>
+          <a:prstDash val="solid"/>
+          <a:miter lim="800000"/>
+        </a:ln>
+        <a:ln w="19050" cap="flat" cmpd="sng" algn="ctr">
+          <a:solidFill>
+            <a:schemeClr val="phClr"/>
+          </a:solidFill>
+          <a:prstDash val="solid"/>
+          <a:miter lim="800000"/>
+        </a:ln>
+        <a:ln w="25400" cap="flat" cmpd="sng" algn="ctr">
+          <a:solidFill>
+            <a:schemeClr val="phClr"/>
+          </a:solidFill>
+          <a:prstDash val="solid"/>
+          <a:miter lim="800000"/>
+        </a:ln>
+      </a:lnStyleLst>
+      <a:effectStyleLst>
+        <a:effectStyle>
+          <a:effectLst/>
+        </a:effectStyle>
+        <a:effectStyle>
+          <a:effectLst/>
+        </a:effectStyle>
+        <a:effectStyle>
+          <a:effectLst>
+            <a:outerShdw blurRad="57150" dist="19050" dir="5400000" algn="ctr" rotWithShape="0">
+              <a:srgbClr val="000000">
+                <a:alpha val="63000"/>
+              </a:srgbClr>
+            </a:outerShdw>
+          </a:effectLst>
+        </a:effectStyle>
+      </a:effectStyleLst>
+      <a:bgFillStyleLst>
+        <a:solidFill>
+          <a:schemeClr val="phClr"/>
+        </a:solidFill>
+        <a:solidFill>
+          <a:schemeClr val="phClr">
+            <a:tint val="95000"/>
+            <a:satMod val="170000"/>
+          </a:schemeClr>
+        </a:solidFill>
+        <a:gradFill rotWithShape="1">
+          <a:gsLst>
+            <a:gs pos="0">
+              <a:schemeClr val="phClr">
+                <a:tint val="93000"/>
+                <a:satMod val="150000"/>
+                <a:shade val="98000"/>
+                <a:lumMod val="102000"/>
+              </a:schemeClr>
+            </a:gs>
+            <a:gs pos="50000">
+              <a:schemeClr val="phClr">
+                <a:tint val="98000"/>
+                <a:satMod val="130000"/>
+                <a:shade val="90000"/>
+                <a:lumMod val="103000"/>
+              </a:schemeClr>
+            </a:gs>
+            <a:gs pos="100000">
+              <a:schemeClr val="phClr">
+                <a:shade val="63000"/>
+                <a:satMod val="120000"/>
+              </a:schemeClr>
+            </a:gs>
+          </a:gsLst>
+          <a:lin ang="5400000" scaled="0"/>
+        </a:gradFill>
+      </a:bgFillStyleLst>
+    </a:fmtScheme>
+  </a:themeElements>
+  <a:objectDefaults>
+    <a:lnDef>
+      <a:spPr/>
+      <a:bodyPr/>
+      <a:lstStyle/>
+      <a:style>
+        <a:lnRef idx="2">
+          <a:schemeClr val="accent1"/>
+        </a:lnRef>
+        <a:fillRef idx="0">
+          <a:schemeClr val="accent1"/>
+        </a:fillRef>
+        <a:effectRef idx="1">
+          <a:schemeClr val="accent1"/>
+        </a:effectRef>
+        <a:fontRef idx="minor">
+          <a:schemeClr val="tx1"/>
+        </a:fontRef>
+      </a:style>
+    </a:lnDef>
+  </a:objectDefaults>
+  <a:extraClrSchemeLst/>
+  <a:extLst>
+    <a:ext uri="{05A4C25C-085E-4340-85A3-A5531E510DB2}">
+      <thm15:themeFamily xmlns:thm15="http://schemas.microsoft.com/office/thememl/2012/main" name="Office Theme" id="{2E142A2C-CD16-42D6-873A-C26D2A0506FA}" vid="{1BDDFF52-6CD6-40A5-AB3C-68EB2F1E4D0A}"/>
+    </a:ext>
+  </a:extLst>
+</a:theme>
 </file>